--- a/TD_Data Engineer_Answer.pptx
+++ b/TD_Data Engineer_Answer.pptx
@@ -209,7 +209,7 @@
           <a:p>
             <a:fld id="{3891C632-8632-478A-8B55-80CD12848445}" type="datetimeFigureOut">
               <a:rPr lang="en-US" smtClean="0"/>
-              <a:t>1/24/2023</a:t>
+              <a:t>2/2/2023</a:t>
             </a:fld>
             <a:endParaRPr lang="en-US"/>
           </a:p>
@@ -1643,7 +1643,7 @@
           <a:p>
             <a:fld id="{D2E0D46A-06B7-4028-ACC3-8936C79E0F7B}" type="datetimeFigureOut">
               <a:rPr lang="th-TH" smtClean="0"/>
-              <a:t>24/01/66</a:t>
+              <a:t>02/02/66</a:t>
             </a:fld>
             <a:endParaRPr lang="th-TH"/>
           </a:p>
@@ -1843,7 +1843,7 @@
           <a:p>
             <a:fld id="{D2E0D46A-06B7-4028-ACC3-8936C79E0F7B}" type="datetimeFigureOut">
               <a:rPr lang="th-TH" smtClean="0"/>
-              <a:t>24/01/66</a:t>
+              <a:t>02/02/66</a:t>
             </a:fld>
             <a:endParaRPr lang="th-TH"/>
           </a:p>
@@ -2053,7 +2053,7 @@
           <a:p>
             <a:fld id="{D2E0D46A-06B7-4028-ACC3-8936C79E0F7B}" type="datetimeFigureOut">
               <a:rPr lang="th-TH" smtClean="0"/>
-              <a:t>24/01/66</a:t>
+              <a:t>02/02/66</a:t>
             </a:fld>
             <a:endParaRPr lang="th-TH"/>
           </a:p>
@@ -2282,7 +2282,7 @@
           <a:p>
             <a:fld id="{02AC24A9-CCB6-4F8D-B8DB-C2F3692CFA5A}" type="datetimeFigureOut">
               <a:rPr lang="en-US" smtClean="0"/>
-              <a:t>1/24/2023</a:t>
+              <a:t>2/2/2023</a:t>
             </a:fld>
             <a:endParaRPr lang="en-US"/>
           </a:p>
@@ -2690,7 +2690,7 @@
           <a:p>
             <a:fld id="{1085AB41-4EF7-49BF-B62B-D2F36C86E9CC}" type="datetime1">
               <a:rPr lang="en-US" smtClean="0"/>
-              <a:t>1/24/2023</a:t>
+              <a:t>2/2/2023</a:t>
             </a:fld>
             <a:endParaRPr lang="en-US"/>
           </a:p>
@@ -2890,7 +2890,7 @@
           <a:p>
             <a:fld id="{D2E0D46A-06B7-4028-ACC3-8936C79E0F7B}" type="datetimeFigureOut">
               <a:rPr lang="th-TH" smtClean="0"/>
-              <a:t>24/01/66</a:t>
+              <a:t>02/02/66</a:t>
             </a:fld>
             <a:endParaRPr lang="th-TH"/>
           </a:p>
@@ -3166,7 +3166,7 @@
           <a:p>
             <a:fld id="{D2E0D46A-06B7-4028-ACC3-8936C79E0F7B}" type="datetimeFigureOut">
               <a:rPr lang="th-TH" smtClean="0"/>
-              <a:t>24/01/66</a:t>
+              <a:t>02/02/66</a:t>
             </a:fld>
             <a:endParaRPr lang="th-TH"/>
           </a:p>
@@ -3434,7 +3434,7 @@
           <a:p>
             <a:fld id="{D2E0D46A-06B7-4028-ACC3-8936C79E0F7B}" type="datetimeFigureOut">
               <a:rPr lang="th-TH" smtClean="0"/>
-              <a:t>24/01/66</a:t>
+              <a:t>02/02/66</a:t>
             </a:fld>
             <a:endParaRPr lang="th-TH"/>
           </a:p>
@@ -3849,7 +3849,7 @@
           <a:p>
             <a:fld id="{D2E0D46A-06B7-4028-ACC3-8936C79E0F7B}" type="datetimeFigureOut">
               <a:rPr lang="th-TH" smtClean="0"/>
-              <a:t>24/01/66</a:t>
+              <a:t>02/02/66</a:t>
             </a:fld>
             <a:endParaRPr lang="th-TH"/>
           </a:p>
@@ -3991,7 +3991,7 @@
           <a:p>
             <a:fld id="{D2E0D46A-06B7-4028-ACC3-8936C79E0F7B}" type="datetimeFigureOut">
               <a:rPr lang="th-TH" smtClean="0"/>
-              <a:t>24/01/66</a:t>
+              <a:t>02/02/66</a:t>
             </a:fld>
             <a:endParaRPr lang="th-TH"/>
           </a:p>
@@ -4104,7 +4104,7 @@
           <a:p>
             <a:fld id="{D2E0D46A-06B7-4028-ACC3-8936C79E0F7B}" type="datetimeFigureOut">
               <a:rPr lang="th-TH" smtClean="0"/>
-              <a:t>24/01/66</a:t>
+              <a:t>02/02/66</a:t>
             </a:fld>
             <a:endParaRPr lang="th-TH"/>
           </a:p>
@@ -4417,7 +4417,7 @@
           <a:p>
             <a:fld id="{D2E0D46A-06B7-4028-ACC3-8936C79E0F7B}" type="datetimeFigureOut">
               <a:rPr lang="th-TH" smtClean="0"/>
-              <a:t>24/01/66</a:t>
+              <a:t>02/02/66</a:t>
             </a:fld>
             <a:endParaRPr lang="th-TH"/>
           </a:p>
@@ -4706,7 +4706,7 @@
           <a:p>
             <a:fld id="{D2E0D46A-06B7-4028-ACC3-8936C79E0F7B}" type="datetimeFigureOut">
               <a:rPr lang="th-TH" smtClean="0"/>
-              <a:t>24/01/66</a:t>
+              <a:t>02/02/66</a:t>
             </a:fld>
             <a:endParaRPr lang="th-TH"/>
           </a:p>
@@ -4949,7 +4949,7 @@
           <a:p>
             <a:fld id="{D2E0D46A-06B7-4028-ACC3-8936C79E0F7B}" type="datetimeFigureOut">
               <a:rPr lang="th-TH" smtClean="0"/>
-              <a:t>24/01/66</a:t>
+              <a:t>02/02/66</a:t>
             </a:fld>
             <a:endParaRPr lang="th-TH"/>
           </a:p>
@@ -5517,7 +5517,7 @@
           <a:p>
             <a:fld id="{02AC24A9-CCB6-4F8D-B8DB-C2F3692CFA5A}" type="datetimeFigureOut">
               <a:rPr lang="en-US" smtClean="0"/>
-              <a:t>1/24/2023</a:t>
+              <a:t>2/2/2023</a:t>
             </a:fld>
             <a:endParaRPr lang="en-US"/>
           </a:p>
@@ -11190,6 +11190,52 @@
               <a:t>DATA SOURCE</a:t>
             </a:r>
           </a:p>
+          <a:p>
+            <a:pPr algn="ctr"/>
+            <a:endParaRPr lang="en-US" sz="2000" b="1" dirty="0">
+              <a:solidFill>
+                <a:schemeClr val="tx1"/>
+              </a:solidFill>
+              <a:latin typeface="FC Iconic Regular" panose="020B0500040200020003" pitchFamily="34" charset="-34"/>
+              <a:cs typeface="FC Iconic Regular" panose="020B0500040200020003" pitchFamily="34" charset="-34"/>
+            </a:endParaRPr>
+          </a:p>
+          <a:p>
+            <a:pPr algn="ctr"/>
+            <a:r>
+              <a:rPr lang="en-US" sz="2000" b="1" dirty="0">
+                <a:solidFill>
+                  <a:schemeClr val="tx1"/>
+                </a:solidFill>
+                <a:latin typeface="FC Iconic Regular" panose="020B0500040200020003" pitchFamily="34" charset="-34"/>
+                <a:cs typeface="FC Iconic Regular" panose="020B0500040200020003" pitchFamily="34" charset="-34"/>
+              </a:rPr>
+              <a:t>- IOT Data (Sensor)</a:t>
+            </a:r>
+          </a:p>
+          <a:p>
+            <a:pPr algn="ctr"/>
+            <a:endParaRPr lang="en-US" sz="2000" b="1" dirty="0">
+              <a:solidFill>
+                <a:schemeClr val="tx1"/>
+              </a:solidFill>
+              <a:latin typeface="FC Iconic Regular" panose="020B0500040200020003" pitchFamily="34" charset="-34"/>
+              <a:cs typeface="FC Iconic Regular" panose="020B0500040200020003" pitchFamily="34" charset="-34"/>
+            </a:endParaRPr>
+          </a:p>
+          <a:p>
+            <a:pPr algn="ctr"/>
+            <a:r>
+              <a:rPr lang="en-US" sz="2000" b="1" dirty="0">
+                <a:solidFill>
+                  <a:schemeClr val="tx1"/>
+                </a:solidFill>
+                <a:latin typeface="FC Iconic Regular" panose="020B0500040200020003" pitchFamily="34" charset="-34"/>
+                <a:cs typeface="FC Iconic Regular" panose="020B0500040200020003" pitchFamily="34" charset="-34"/>
+              </a:rPr>
+              <a:t>- API (JSON Format)</a:t>
+            </a:r>
+          </a:p>
         </p:txBody>
       </p:sp>
       <p:pic>
@@ -11221,7 +11267,7 @@
         </p:blipFill>
         <p:spPr bwMode="auto">
           <a:xfrm>
-            <a:off x="263786" y="2758760"/>
+            <a:off x="263786" y="3021305"/>
             <a:ext cx="969261" cy="969261"/>
           </a:xfrm>
           <a:prstGeom prst="rect">
@@ -11268,7 +11314,7 @@
         </p:blipFill>
         <p:spPr bwMode="auto">
           <a:xfrm>
-            <a:off x="147285" y="4152632"/>
+            <a:off x="147285" y="4415177"/>
             <a:ext cx="1150378" cy="862784"/>
           </a:xfrm>
           <a:prstGeom prst="rect">
@@ -11304,8 +11350,8 @@
         </p:nvCxnSpPr>
         <p:spPr>
           <a:xfrm>
-            <a:off x="1233047" y="3243391"/>
-            <a:ext cx="921688" cy="528675"/>
+            <a:off x="1233047" y="3505936"/>
+            <a:ext cx="713461" cy="528675"/>
           </a:xfrm>
           <a:prstGeom prst="straightConnector1">
             <a:avLst/>
@@ -11350,8 +11396,8 @@
         </p:nvCxnSpPr>
         <p:spPr>
           <a:xfrm flipV="1">
-            <a:off x="1297663" y="3772066"/>
-            <a:ext cx="857072" cy="811958"/>
+            <a:off x="1297663" y="4034611"/>
+            <a:ext cx="648845" cy="811958"/>
           </a:xfrm>
           <a:prstGeom prst="straightConnector1">
             <a:avLst/>
@@ -11458,106 +11504,6 @@
       </p:sp>
       <p:sp>
         <p:nvSpPr>
-          <p:cNvPr id="20" name="Rectangle 19">
-            <a:extLst>
-              <a:ext uri="{FF2B5EF4-FFF2-40B4-BE49-F238E27FC236}">
-                <a16:creationId xmlns:a16="http://schemas.microsoft.com/office/drawing/2014/main" id="{479586DB-F317-4C24-A1EC-79D56877F22F}"/>
-              </a:ext>
-            </a:extLst>
-          </p:cNvPr>
-          <p:cNvSpPr/>
-          <p:nvPr/>
-        </p:nvSpPr>
-        <p:spPr>
-          <a:xfrm>
-            <a:off x="201224" y="5417806"/>
-            <a:ext cx="2713610" cy="1019175"/>
-          </a:xfrm>
-          <a:prstGeom prst="rect">
-            <a:avLst/>
-          </a:prstGeom>
-          <a:noFill/>
-          <a:ln w="28575">
-            <a:noFill/>
-          </a:ln>
-        </p:spPr>
-        <p:style>
-          <a:lnRef idx="2">
-            <a:schemeClr val="accent1">
-              <a:shade val="50000"/>
-            </a:schemeClr>
-          </a:lnRef>
-          <a:fillRef idx="1">
-            <a:schemeClr val="accent1"/>
-          </a:fillRef>
-          <a:effectRef idx="0">
-            <a:schemeClr val="accent1"/>
-          </a:effectRef>
-          <a:fontRef idx="minor">
-            <a:schemeClr val="lt1"/>
-          </a:fontRef>
-        </p:style>
-        <p:txBody>
-          <a:bodyPr rtlCol="0" anchor="t"/>
-          <a:lstStyle/>
-          <a:p>
-            <a:r>
-              <a:rPr lang="en-US" sz="1200" dirty="0">
-                <a:solidFill>
-                  <a:schemeClr val="tx1"/>
-                </a:solidFill>
-                <a:latin typeface="FC Iconic Regular" panose="020B0500040200020003" pitchFamily="34" charset="-34"/>
-                <a:cs typeface="FC Iconic Regular" panose="020B0500040200020003" pitchFamily="34" charset="-34"/>
-              </a:rPr>
-              <a:t>- Dirty</a:t>
-            </a:r>
-          </a:p>
-          <a:p>
-            <a:endParaRPr lang="en-US" sz="1200" dirty="0">
-              <a:solidFill>
-                <a:schemeClr val="tx1"/>
-              </a:solidFill>
-              <a:latin typeface="FC Iconic Regular" panose="020B0500040200020003" pitchFamily="34" charset="-34"/>
-              <a:cs typeface="FC Iconic Regular" panose="020B0500040200020003" pitchFamily="34" charset="-34"/>
-            </a:endParaRPr>
-          </a:p>
-          <a:p>
-            <a:r>
-              <a:rPr lang="en-US" sz="1200" dirty="0">
-                <a:solidFill>
-                  <a:schemeClr val="tx1"/>
-                </a:solidFill>
-                <a:latin typeface="FC Iconic Regular" panose="020B0500040200020003" pitchFamily="34" charset="-34"/>
-                <a:cs typeface="FC Iconic Regular" panose="020B0500040200020003" pitchFamily="34" charset="-34"/>
-              </a:rPr>
-              <a:t>- Data Structure : Semi - Structured</a:t>
-            </a:r>
-          </a:p>
-          <a:p>
-            <a:endParaRPr lang="en-US" sz="1200" dirty="0">
-              <a:solidFill>
-                <a:schemeClr val="tx1"/>
-              </a:solidFill>
-              <a:latin typeface="FC Iconic Regular" panose="020B0500040200020003" pitchFamily="34" charset="-34"/>
-              <a:cs typeface="FC Iconic Regular" panose="020B0500040200020003" pitchFamily="34" charset="-34"/>
-            </a:endParaRPr>
-          </a:p>
-          <a:p>
-            <a:r>
-              <a:rPr lang="en-US" sz="1200" dirty="0">
-                <a:solidFill>
-                  <a:schemeClr val="tx1"/>
-                </a:solidFill>
-                <a:latin typeface="FC Iconic Regular" panose="020B0500040200020003" pitchFamily="34" charset="-34"/>
-                <a:cs typeface="FC Iconic Regular" panose="020B0500040200020003" pitchFamily="34" charset="-34"/>
-              </a:rPr>
-              <a:t>- Denormalized</a:t>
-            </a:r>
-          </a:p>
-        </p:txBody>
-      </p:sp>
-      <p:sp>
-        <p:nvSpPr>
           <p:cNvPr id="21" name="Rectangle 20">
             <a:extLst>
               <a:ext uri="{FF2B5EF4-FFF2-40B4-BE49-F238E27FC236}">
@@ -11713,8 +11659,8 @@
         </p:nvSpPr>
         <p:spPr>
           <a:xfrm>
-            <a:off x="10575905" y="912894"/>
-            <a:ext cx="1568371" cy="5658413"/>
+            <a:off x="10454299" y="940053"/>
+            <a:ext cx="1689978" cy="5658413"/>
           </a:xfrm>
           <a:prstGeom prst="rect">
             <a:avLst/>
@@ -11778,7 +11724,7 @@
         </p:nvSpPr>
         <p:spPr>
           <a:xfrm>
-            <a:off x="3726174" y="2422663"/>
+            <a:off x="3726174" y="2341181"/>
             <a:ext cx="1448892" cy="646462"/>
           </a:xfrm>
           <a:prstGeom prst="rect">
@@ -11852,7 +11798,7 @@
         </p:nvSpPr>
         <p:spPr>
           <a:xfrm>
-            <a:off x="3726174" y="4217205"/>
+            <a:off x="3726174" y="4968642"/>
             <a:ext cx="1448892" cy="646462"/>
           </a:xfrm>
           <a:prstGeom prst="rect">
@@ -11926,7 +11872,7 @@
         </p:nvSpPr>
         <p:spPr>
           <a:xfrm>
-            <a:off x="6024245" y="2015997"/>
+            <a:off x="6024245" y="1934515"/>
             <a:ext cx="1448892" cy="1458270"/>
           </a:xfrm>
           <a:prstGeom prst="rect">
@@ -12075,7 +12021,7 @@
         </p:nvSpPr>
         <p:spPr>
           <a:xfrm>
-            <a:off x="6022737" y="3816130"/>
+            <a:off x="6022737" y="4567567"/>
             <a:ext cx="1448892" cy="1458270"/>
           </a:xfrm>
           <a:prstGeom prst="rect">
@@ -12224,8 +12170,8 @@
         </p:nvSpPr>
         <p:spPr>
           <a:xfrm>
-            <a:off x="8380602" y="3044632"/>
-            <a:ext cx="1725642" cy="1178905"/>
+            <a:off x="8371548" y="4529393"/>
+            <a:ext cx="1725642" cy="1539392"/>
           </a:xfrm>
           <a:prstGeom prst="rect">
             <a:avLst/>
@@ -12279,10 +12225,11 @@
                 <a:latin typeface="FC Iconic Regular" panose="020B0500040200020003" pitchFamily="34" charset="-34"/>
                 <a:cs typeface="FC Iconic Regular" panose="020B0500040200020003" pitchFamily="34" charset="-34"/>
               </a:rPr>
-              <a:t>Database </a:t>
-            </a:r>
-          </a:p>
-          <a:p>
+              <a:t>Database</a:t>
+            </a:r>
+          </a:p>
+          <a:p>
+            <a:pPr algn="ctr"/>
             <a:r>
               <a:rPr lang="en-US" sz="1600" b="1" dirty="0">
                 <a:solidFill>
@@ -12291,6 +12238,31 @@
                 <a:latin typeface="FC Iconic Regular" panose="020B0500040200020003" pitchFamily="34" charset="-34"/>
                 <a:cs typeface="FC Iconic Regular" panose="020B0500040200020003" pitchFamily="34" charset="-34"/>
               </a:rPr>
+              <a:t>Or</a:t>
+            </a:r>
+          </a:p>
+          <a:p>
+            <a:pPr algn="ctr"/>
+            <a:r>
+              <a:rPr lang="en-US" sz="1600" b="1" dirty="0">
+                <a:solidFill>
+                  <a:schemeClr val="tx1"/>
+                </a:solidFill>
+                <a:latin typeface="FC Iconic Regular" panose="020B0500040200020003" pitchFamily="34" charset="-34"/>
+                <a:cs typeface="FC Iconic Regular" panose="020B0500040200020003" pitchFamily="34" charset="-34"/>
+              </a:rPr>
+              <a:t>Data Lake</a:t>
+            </a:r>
+          </a:p>
+          <a:p>
+            <a:r>
+              <a:rPr lang="en-US" sz="1600" b="1" dirty="0">
+                <a:solidFill>
+                  <a:schemeClr val="tx1"/>
+                </a:solidFill>
+                <a:latin typeface="FC Iconic Regular" panose="020B0500040200020003" pitchFamily="34" charset="-34"/>
+                <a:cs typeface="FC Iconic Regular" panose="020B0500040200020003" pitchFamily="34" charset="-34"/>
+              </a:rPr>
               <a:t>-</a:t>
             </a:r>
             <a:r>
@@ -12328,205 +12300,6 @@
           </a:p>
         </p:txBody>
       </p:sp>
-      <p:pic>
-        <p:nvPicPr>
-          <p:cNvPr id="18" name="Picture 17">
-            <a:extLst>
-              <a:ext uri="{FF2B5EF4-FFF2-40B4-BE49-F238E27FC236}">
-                <a16:creationId xmlns:a16="http://schemas.microsoft.com/office/drawing/2014/main" id="{B893C821-69D5-4F99-8E30-1A4A631EDC3D}"/>
-              </a:ext>
-            </a:extLst>
-          </p:cNvPr>
-          <p:cNvPicPr>
-            <a:picLocks noChangeAspect="1"/>
-          </p:cNvPicPr>
-          <p:nvPr/>
-        </p:nvPicPr>
-        <p:blipFill>
-          <a:blip r:embed="rId5"/>
-          <a:stretch>
-            <a:fillRect/>
-          </a:stretch>
-        </p:blipFill>
-        <p:spPr>
-          <a:xfrm>
-            <a:off x="10874117" y="3070494"/>
-            <a:ext cx="1000125" cy="1133475"/>
-          </a:xfrm>
-          <a:prstGeom prst="rect">
-            <a:avLst/>
-          </a:prstGeom>
-        </p:spPr>
-      </p:pic>
-      <p:sp>
-        <p:nvSpPr>
-          <p:cNvPr id="34" name="Rectangle 33">
-            <a:extLst>
-              <a:ext uri="{FF2B5EF4-FFF2-40B4-BE49-F238E27FC236}">
-                <a16:creationId xmlns:a16="http://schemas.microsoft.com/office/drawing/2014/main" id="{1566D3FB-BFB0-4C9A-8985-E7EC374376D7}"/>
-              </a:ext>
-            </a:extLst>
-          </p:cNvPr>
-          <p:cNvSpPr/>
-          <p:nvPr/>
-        </p:nvSpPr>
-        <p:spPr>
-          <a:xfrm>
-            <a:off x="10539693" y="5538071"/>
-            <a:ext cx="1725642" cy="624316"/>
-          </a:xfrm>
-          <a:prstGeom prst="rect">
-            <a:avLst/>
-          </a:prstGeom>
-          <a:noFill/>
-          <a:ln w="28575">
-            <a:noFill/>
-          </a:ln>
-        </p:spPr>
-        <p:style>
-          <a:lnRef idx="2">
-            <a:schemeClr val="accent1">
-              <a:shade val="50000"/>
-            </a:schemeClr>
-          </a:lnRef>
-          <a:fillRef idx="1">
-            <a:schemeClr val="accent1"/>
-          </a:fillRef>
-          <a:effectRef idx="0">
-            <a:schemeClr val="accent1"/>
-          </a:effectRef>
-          <a:fontRef idx="minor">
-            <a:schemeClr val="lt1"/>
-          </a:fontRef>
-        </p:style>
-        <p:txBody>
-          <a:bodyPr rtlCol="0" anchor="t"/>
-          <a:lstStyle/>
-          <a:p>
-            <a:r>
-              <a:rPr lang="en-US" sz="1200" dirty="0">
-                <a:solidFill>
-                  <a:schemeClr val="tx1"/>
-                </a:solidFill>
-                <a:latin typeface="FC Iconic Regular" panose="020B0500040200020003" pitchFamily="34" charset="-34"/>
-                <a:cs typeface="FC Iconic Regular" panose="020B0500040200020003" pitchFamily="34" charset="-34"/>
-              </a:rPr>
-              <a:t>- Structured Data</a:t>
-            </a:r>
-          </a:p>
-          <a:p>
-            <a:endParaRPr lang="en-US" sz="1200" dirty="0">
-              <a:solidFill>
-                <a:schemeClr val="tx1"/>
-              </a:solidFill>
-              <a:latin typeface="FC Iconic Regular" panose="020B0500040200020003" pitchFamily="34" charset="-34"/>
-              <a:cs typeface="FC Iconic Regular" panose="020B0500040200020003" pitchFamily="34" charset="-34"/>
-            </a:endParaRPr>
-          </a:p>
-          <a:p>
-            <a:r>
-              <a:rPr lang="en-US" sz="1200" dirty="0">
-                <a:solidFill>
-                  <a:schemeClr val="tx1"/>
-                </a:solidFill>
-                <a:latin typeface="FC Iconic Regular" panose="020B0500040200020003" pitchFamily="34" charset="-34"/>
-                <a:cs typeface="FC Iconic Regular" panose="020B0500040200020003" pitchFamily="34" charset="-34"/>
-              </a:rPr>
-              <a:t>- Ready For Analytics</a:t>
-            </a:r>
-          </a:p>
-        </p:txBody>
-      </p:sp>
-      <p:cxnSp>
-        <p:nvCxnSpPr>
-          <p:cNvPr id="36" name="Straight Arrow Connector 35">
-            <a:extLst>
-              <a:ext uri="{FF2B5EF4-FFF2-40B4-BE49-F238E27FC236}">
-                <a16:creationId xmlns:a16="http://schemas.microsoft.com/office/drawing/2014/main" id="{2B2F6291-0A75-4C72-A859-F415AF2CB0D4}"/>
-              </a:ext>
-            </a:extLst>
-          </p:cNvPr>
-          <p:cNvCxnSpPr>
-            <a:stCxn id="6" idx="3"/>
-            <a:endCxn id="26" idx="1"/>
-          </p:cNvCxnSpPr>
-          <p:nvPr/>
-        </p:nvCxnSpPr>
-        <p:spPr>
-          <a:xfrm flipV="1">
-            <a:off x="3040560" y="2745894"/>
-            <a:ext cx="685614" cy="997713"/>
-          </a:xfrm>
-          <a:prstGeom prst="straightConnector1">
-            <a:avLst/>
-          </a:prstGeom>
-          <a:ln w="28575">
-            <a:solidFill>
-              <a:schemeClr val="tx1"/>
-            </a:solidFill>
-            <a:tailEnd type="triangle"/>
-          </a:ln>
-        </p:spPr>
-        <p:style>
-          <a:lnRef idx="1">
-            <a:schemeClr val="accent1"/>
-          </a:lnRef>
-          <a:fillRef idx="0">
-            <a:schemeClr val="accent1"/>
-          </a:fillRef>
-          <a:effectRef idx="0">
-            <a:schemeClr val="accent1"/>
-          </a:effectRef>
-          <a:fontRef idx="minor">
-            <a:schemeClr val="tx1"/>
-          </a:fontRef>
-        </p:style>
-      </p:cxnSp>
-      <p:cxnSp>
-        <p:nvCxnSpPr>
-          <p:cNvPr id="38" name="Straight Arrow Connector 37">
-            <a:extLst>
-              <a:ext uri="{FF2B5EF4-FFF2-40B4-BE49-F238E27FC236}">
-                <a16:creationId xmlns:a16="http://schemas.microsoft.com/office/drawing/2014/main" id="{36F280B7-35C8-4614-AE37-C71D96C776C2}"/>
-              </a:ext>
-            </a:extLst>
-          </p:cNvPr>
-          <p:cNvCxnSpPr>
-            <a:stCxn id="6" idx="3"/>
-            <a:endCxn id="27" idx="1"/>
-          </p:cNvCxnSpPr>
-          <p:nvPr/>
-        </p:nvCxnSpPr>
-        <p:spPr>
-          <a:xfrm>
-            <a:off x="3040560" y="3743607"/>
-            <a:ext cx="685614" cy="796829"/>
-          </a:xfrm>
-          <a:prstGeom prst="straightConnector1">
-            <a:avLst/>
-          </a:prstGeom>
-          <a:ln w="28575">
-            <a:solidFill>
-              <a:schemeClr val="tx1"/>
-            </a:solidFill>
-            <a:tailEnd type="triangle"/>
-          </a:ln>
-        </p:spPr>
-        <p:style>
-          <a:lnRef idx="1">
-            <a:schemeClr val="accent1"/>
-          </a:lnRef>
-          <a:fillRef idx="0">
-            <a:schemeClr val="accent1"/>
-          </a:fillRef>
-          <a:effectRef idx="0">
-            <a:schemeClr val="accent1"/>
-          </a:effectRef>
-          <a:fontRef idx="minor">
-            <a:schemeClr val="tx1"/>
-          </a:fontRef>
-        </p:style>
-      </p:cxnSp>
       <p:cxnSp>
         <p:nvCxnSpPr>
           <p:cNvPr id="42" name="Straight Arrow Connector 41">
@@ -12544,7 +12317,7 @@
         </p:nvCxnSpPr>
         <p:spPr>
           <a:xfrm flipV="1">
-            <a:off x="5175066" y="2745132"/>
+            <a:off x="5175066" y="2663650"/>
             <a:ext cx="849179" cy="762"/>
           </a:xfrm>
           <a:prstGeom prst="straightConnector1">
@@ -12589,7 +12362,7 @@
         </p:nvCxnSpPr>
         <p:spPr>
           <a:xfrm>
-            <a:off x="5175066" y="4540436"/>
+            <a:off x="5175066" y="5291873"/>
             <a:ext cx="847671" cy="4829"/>
           </a:xfrm>
           <a:prstGeom prst="straightConnector1">
@@ -12619,113 +12392,24 @@
       </p:cxnSp>
       <p:cxnSp>
         <p:nvCxnSpPr>
-          <p:cNvPr id="46" name="Straight Arrow Connector 45">
-            <a:extLst>
-              <a:ext uri="{FF2B5EF4-FFF2-40B4-BE49-F238E27FC236}">
-                <a16:creationId xmlns:a16="http://schemas.microsoft.com/office/drawing/2014/main" id="{600362D4-2817-4949-BB64-C5AA437AF25D}"/>
+          <p:cNvPr id="48" name="Straight Arrow Connector 47">
+            <a:extLst>
+              <a:ext uri="{FF2B5EF4-FFF2-40B4-BE49-F238E27FC236}">
+                <a16:creationId xmlns:a16="http://schemas.microsoft.com/office/drawing/2014/main" id="{568C59DD-D824-4761-BACE-EAB3D764FF86}"/>
               </a:ext>
             </a:extLst>
           </p:cNvPr>
           <p:cNvCxnSpPr>
-            <a:stCxn id="28" idx="3"/>
+            <a:cxnSpLocks/>
+            <a:stCxn id="31" idx="3"/>
             <a:endCxn id="33" idx="1"/>
           </p:cNvCxnSpPr>
           <p:nvPr/>
         </p:nvCxnSpPr>
         <p:spPr>
           <a:xfrm>
-            <a:off x="7473137" y="2745132"/>
-            <a:ext cx="907465" cy="888953"/>
-          </a:xfrm>
-          <a:prstGeom prst="straightConnector1">
-            <a:avLst/>
-          </a:prstGeom>
-          <a:ln w="28575">
-            <a:solidFill>
-              <a:schemeClr val="tx1"/>
-            </a:solidFill>
-            <a:tailEnd type="triangle"/>
-          </a:ln>
-        </p:spPr>
-        <p:style>
-          <a:lnRef idx="1">
-            <a:schemeClr val="accent1"/>
-          </a:lnRef>
-          <a:fillRef idx="0">
-            <a:schemeClr val="accent1"/>
-          </a:fillRef>
-          <a:effectRef idx="0">
-            <a:schemeClr val="accent1"/>
-          </a:effectRef>
-          <a:fontRef idx="minor">
-            <a:schemeClr val="tx1"/>
-          </a:fontRef>
-        </p:style>
-      </p:cxnSp>
-      <p:cxnSp>
-        <p:nvCxnSpPr>
-          <p:cNvPr id="48" name="Straight Arrow Connector 47">
-            <a:extLst>
-              <a:ext uri="{FF2B5EF4-FFF2-40B4-BE49-F238E27FC236}">
-                <a16:creationId xmlns:a16="http://schemas.microsoft.com/office/drawing/2014/main" id="{568C59DD-D824-4761-BACE-EAB3D764FF86}"/>
-              </a:ext>
-            </a:extLst>
-          </p:cNvPr>
-          <p:cNvCxnSpPr>
-            <a:stCxn id="31" idx="3"/>
-            <a:endCxn id="33" idx="1"/>
-          </p:cNvCxnSpPr>
-          <p:nvPr/>
-        </p:nvCxnSpPr>
-        <p:spPr>
-          <a:xfrm flipV="1">
-            <a:off x="7471629" y="3634085"/>
-            <a:ext cx="908973" cy="911180"/>
-          </a:xfrm>
-          <a:prstGeom prst="straightConnector1">
-            <a:avLst/>
-          </a:prstGeom>
-          <a:ln w="28575">
-            <a:solidFill>
-              <a:schemeClr val="tx1"/>
-            </a:solidFill>
-            <a:tailEnd type="triangle"/>
-          </a:ln>
-        </p:spPr>
-        <p:style>
-          <a:lnRef idx="1">
-            <a:schemeClr val="accent1"/>
-          </a:lnRef>
-          <a:fillRef idx="0">
-            <a:schemeClr val="accent1"/>
-          </a:fillRef>
-          <a:effectRef idx="0">
-            <a:schemeClr val="accent1"/>
-          </a:effectRef>
-          <a:fontRef idx="minor">
-            <a:schemeClr val="tx1"/>
-          </a:fontRef>
-        </p:style>
-      </p:cxnSp>
-      <p:cxnSp>
-        <p:nvCxnSpPr>
-          <p:cNvPr id="50" name="Straight Arrow Connector 49">
-            <a:extLst>
-              <a:ext uri="{FF2B5EF4-FFF2-40B4-BE49-F238E27FC236}">
-                <a16:creationId xmlns:a16="http://schemas.microsoft.com/office/drawing/2014/main" id="{19C02F58-3594-4CCA-909C-BCE4CFEBB4B0}"/>
-              </a:ext>
-            </a:extLst>
-          </p:cNvPr>
-          <p:cNvCxnSpPr>
-            <a:stCxn id="33" idx="3"/>
-            <a:endCxn id="18" idx="1"/>
-          </p:cNvCxnSpPr>
-          <p:nvPr/>
-        </p:nvCxnSpPr>
-        <p:spPr>
-          <a:xfrm>
-            <a:off x="10106244" y="3634085"/>
-            <a:ext cx="767873" cy="3147"/>
+            <a:off x="7471629" y="5296702"/>
+            <a:ext cx="899919" cy="2387"/>
           </a:xfrm>
           <a:prstGeom prst="straightConnector1">
             <a:avLst/>
@@ -12767,14 +12451,14 @@
           <p:nvPr/>
         </p:nvPicPr>
         <p:blipFill>
-          <a:blip r:embed="rId6"/>
+          <a:blip r:embed="rId5"/>
           <a:stretch>
             <a:fillRect/>
           </a:stretch>
         </p:blipFill>
         <p:spPr>
           <a:xfrm>
-            <a:off x="2154735" y="3326926"/>
+            <a:off x="1946508" y="3589471"/>
             <a:ext cx="821209" cy="890279"/>
           </a:xfrm>
           <a:prstGeom prst="rect">
@@ -12782,6 +12466,654 @@
           </a:prstGeom>
         </p:spPr>
       </p:pic>
+      <p:sp>
+        <p:nvSpPr>
+          <p:cNvPr id="2" name="Rectangle 1">
+            <a:extLst>
+              <a:ext uri="{FF2B5EF4-FFF2-40B4-BE49-F238E27FC236}">
+                <a16:creationId xmlns:a16="http://schemas.microsoft.com/office/drawing/2014/main" id="{CEE4CAC6-FEEF-E747-A353-64C5F395A1AA}"/>
+              </a:ext>
+            </a:extLst>
+          </p:cNvPr>
+          <p:cNvSpPr/>
+          <p:nvPr/>
+        </p:nvSpPr>
+        <p:spPr>
+          <a:xfrm>
+            <a:off x="8507885" y="1861662"/>
+            <a:ext cx="1452968" cy="1603976"/>
+          </a:xfrm>
+          <a:prstGeom prst="rect">
+            <a:avLst/>
+          </a:prstGeom>
+          <a:noFill/>
+          <a:ln w="28575">
+            <a:solidFill>
+              <a:schemeClr val="tx1"/>
+            </a:solidFill>
+          </a:ln>
+        </p:spPr>
+        <p:style>
+          <a:lnRef idx="2">
+            <a:schemeClr val="accent1">
+              <a:shade val="50000"/>
+            </a:schemeClr>
+          </a:lnRef>
+          <a:fillRef idx="1">
+            <a:schemeClr val="accent1"/>
+          </a:fillRef>
+          <a:effectRef idx="0">
+            <a:schemeClr val="accent1"/>
+          </a:effectRef>
+          <a:fontRef idx="minor">
+            <a:schemeClr val="lt1"/>
+          </a:fontRef>
+        </p:style>
+        <p:txBody>
+          <a:bodyPr rtlCol="0" anchor="ctr"/>
+          <a:lstStyle/>
+          <a:p>
+            <a:pPr algn="ctr"/>
+            <a:r>
+              <a:rPr lang="en-US" sz="1600" b="1" dirty="0">
+                <a:solidFill>
+                  <a:schemeClr val="tx1"/>
+                </a:solidFill>
+                <a:latin typeface="FC Iconic Regular" panose="020B0500040200020003" pitchFamily="34" charset="-34"/>
+                <a:cs typeface="FC Iconic Regular" panose="020B0500040200020003" pitchFamily="34" charset="-34"/>
+              </a:rPr>
+              <a:t>Data </a:t>
+            </a:r>
+          </a:p>
+          <a:p>
+            <a:pPr algn="ctr"/>
+            <a:r>
+              <a:rPr lang="en-US" sz="1600" b="1" dirty="0">
+                <a:solidFill>
+                  <a:schemeClr val="tx1"/>
+                </a:solidFill>
+                <a:latin typeface="FC Iconic Regular" panose="020B0500040200020003" pitchFamily="34" charset="-34"/>
+                <a:cs typeface="FC Iconic Regular" panose="020B0500040200020003" pitchFamily="34" charset="-34"/>
+              </a:rPr>
+              <a:t>Warehouse </a:t>
+            </a:r>
+          </a:p>
+          <a:p>
+            <a:r>
+              <a:rPr lang="en-US" sz="1600" b="1" dirty="0">
+                <a:solidFill>
+                  <a:schemeClr val="tx1"/>
+                </a:solidFill>
+                <a:latin typeface="FC Iconic Regular" panose="020B0500040200020003" pitchFamily="34" charset="-34"/>
+                <a:cs typeface="FC Iconic Regular" panose="020B0500040200020003" pitchFamily="34" charset="-34"/>
+              </a:rPr>
+              <a:t>-</a:t>
+            </a:r>
+            <a:r>
+              <a:rPr lang="en-US" sz="1200" dirty="0">
+                <a:solidFill>
+                  <a:schemeClr val="tx1"/>
+                </a:solidFill>
+                <a:latin typeface="FC Iconic Regular" panose="020B0500040200020003" pitchFamily="34" charset="-34"/>
+                <a:cs typeface="FC Iconic Regular" panose="020B0500040200020003" pitchFamily="34" charset="-34"/>
+              </a:rPr>
+              <a:t> Structured Data</a:t>
+            </a:r>
+          </a:p>
+          <a:p>
+            <a:r>
+              <a:rPr lang="en-US" sz="1600" b="1" dirty="0">
+                <a:solidFill>
+                  <a:schemeClr val="tx1"/>
+                </a:solidFill>
+                <a:latin typeface="FC Iconic Regular" panose="020B0500040200020003" pitchFamily="34" charset="-34"/>
+                <a:cs typeface="FC Iconic Regular" panose="020B0500040200020003" pitchFamily="34" charset="-34"/>
+              </a:rPr>
+              <a:t>- </a:t>
+            </a:r>
+            <a:r>
+              <a:rPr lang="en-US" sz="1200" dirty="0">
+                <a:solidFill>
+                  <a:schemeClr val="tx1"/>
+                </a:solidFill>
+                <a:latin typeface="FC Iconic Regular" panose="020B0500040200020003" pitchFamily="34" charset="-34"/>
+                <a:cs typeface="FC Iconic Regular" panose="020B0500040200020003" pitchFamily="34" charset="-34"/>
+              </a:rPr>
+              <a:t>Star Schema</a:t>
+            </a:r>
+          </a:p>
+          <a:p>
+            <a:r>
+              <a:rPr lang="en-US" sz="1600" b="1" dirty="0">
+                <a:solidFill>
+                  <a:schemeClr val="tx1"/>
+                </a:solidFill>
+                <a:latin typeface="FC Iconic Regular" panose="020B0500040200020003" pitchFamily="34" charset="-34"/>
+                <a:cs typeface="FC Iconic Regular" panose="020B0500040200020003" pitchFamily="34" charset="-34"/>
+              </a:rPr>
+              <a:t>- </a:t>
+            </a:r>
+            <a:r>
+              <a:rPr lang="en-US" sz="1200" dirty="0">
+                <a:solidFill>
+                  <a:schemeClr val="tx1"/>
+                </a:solidFill>
+                <a:latin typeface="FC Iconic Regular" panose="020B0500040200020003" pitchFamily="34" charset="-34"/>
+                <a:cs typeface="FC Iconic Regular" panose="020B0500040200020003" pitchFamily="34" charset="-34"/>
+              </a:rPr>
+              <a:t>Ready For </a:t>
+            </a:r>
+          </a:p>
+          <a:p>
+            <a:r>
+              <a:rPr lang="en-US" sz="1200" dirty="0">
+                <a:solidFill>
+                  <a:schemeClr val="tx1"/>
+                </a:solidFill>
+                <a:latin typeface="FC Iconic Regular" panose="020B0500040200020003" pitchFamily="34" charset="-34"/>
+                <a:cs typeface="FC Iconic Regular" panose="020B0500040200020003" pitchFamily="34" charset="-34"/>
+              </a:rPr>
+              <a:t>   Analytics </a:t>
+            </a:r>
+          </a:p>
+        </p:txBody>
+      </p:sp>
+      <p:sp>
+        <p:nvSpPr>
+          <p:cNvPr id="5" name="Rectangle 4">
+            <a:extLst>
+              <a:ext uri="{FF2B5EF4-FFF2-40B4-BE49-F238E27FC236}">
+                <a16:creationId xmlns:a16="http://schemas.microsoft.com/office/drawing/2014/main" id="{498CF538-7373-8E26-D9B0-1E92577651CB}"/>
+              </a:ext>
+            </a:extLst>
+          </p:cNvPr>
+          <p:cNvSpPr/>
+          <p:nvPr/>
+        </p:nvSpPr>
+        <p:spPr>
+          <a:xfrm>
+            <a:off x="10572804" y="3969087"/>
+            <a:ext cx="1452968" cy="516404"/>
+          </a:xfrm>
+          <a:prstGeom prst="rect">
+            <a:avLst/>
+          </a:prstGeom>
+          <a:noFill/>
+          <a:ln w="28575">
+            <a:solidFill>
+              <a:schemeClr val="tx1"/>
+            </a:solidFill>
+          </a:ln>
+        </p:spPr>
+        <p:style>
+          <a:lnRef idx="2">
+            <a:schemeClr val="accent1">
+              <a:shade val="50000"/>
+            </a:schemeClr>
+          </a:lnRef>
+          <a:fillRef idx="1">
+            <a:schemeClr val="accent1"/>
+          </a:fillRef>
+          <a:effectRef idx="0">
+            <a:schemeClr val="accent1"/>
+          </a:effectRef>
+          <a:fontRef idx="minor">
+            <a:schemeClr val="lt1"/>
+          </a:fontRef>
+        </p:style>
+        <p:txBody>
+          <a:bodyPr rtlCol="0" anchor="ctr"/>
+          <a:lstStyle/>
+          <a:p>
+            <a:pPr algn="ctr"/>
+            <a:r>
+              <a:rPr lang="en-US" sz="1600" b="1" dirty="0">
+                <a:solidFill>
+                  <a:schemeClr val="tx1"/>
+                </a:solidFill>
+                <a:latin typeface="FC Iconic Regular" panose="020B0500040200020003" pitchFamily="34" charset="-34"/>
+                <a:cs typeface="FC Iconic Regular" panose="020B0500040200020003" pitchFamily="34" charset="-34"/>
+              </a:rPr>
+              <a:t>ML Application</a:t>
+            </a:r>
+          </a:p>
+        </p:txBody>
+      </p:sp>
+      <p:cxnSp>
+        <p:nvCxnSpPr>
+          <p:cNvPr id="47" name="Straight Arrow Connector 46">
+            <a:extLst>
+              <a:ext uri="{FF2B5EF4-FFF2-40B4-BE49-F238E27FC236}">
+                <a16:creationId xmlns:a16="http://schemas.microsoft.com/office/drawing/2014/main" id="{D12B1E06-A0BF-D436-4A3E-A59B65869B86}"/>
+              </a:ext>
+            </a:extLst>
+          </p:cNvPr>
+          <p:cNvCxnSpPr>
+            <a:stCxn id="3" idx="3"/>
+            <a:endCxn id="26" idx="1"/>
+          </p:cNvCxnSpPr>
+          <p:nvPr/>
+        </p:nvCxnSpPr>
+        <p:spPr>
+          <a:xfrm flipV="1">
+            <a:off x="2767717" y="2664412"/>
+            <a:ext cx="958457" cy="1370199"/>
+          </a:xfrm>
+          <a:prstGeom prst="straightConnector1">
+            <a:avLst/>
+          </a:prstGeom>
+          <a:ln w="28575">
+            <a:solidFill>
+              <a:schemeClr val="tx1"/>
+            </a:solidFill>
+            <a:tailEnd type="triangle"/>
+          </a:ln>
+        </p:spPr>
+        <p:style>
+          <a:lnRef idx="1">
+            <a:schemeClr val="accent1"/>
+          </a:lnRef>
+          <a:fillRef idx="0">
+            <a:schemeClr val="accent1"/>
+          </a:fillRef>
+          <a:effectRef idx="0">
+            <a:schemeClr val="accent1"/>
+          </a:effectRef>
+          <a:fontRef idx="minor">
+            <a:schemeClr val="tx1"/>
+          </a:fontRef>
+        </p:style>
+      </p:cxnSp>
+      <p:cxnSp>
+        <p:nvCxnSpPr>
+          <p:cNvPr id="55" name="Straight Arrow Connector 54">
+            <a:extLst>
+              <a:ext uri="{FF2B5EF4-FFF2-40B4-BE49-F238E27FC236}">
+                <a16:creationId xmlns:a16="http://schemas.microsoft.com/office/drawing/2014/main" id="{AA5F7FDA-22B6-8F64-B6F9-97DE0D998768}"/>
+              </a:ext>
+            </a:extLst>
+          </p:cNvPr>
+          <p:cNvCxnSpPr>
+            <a:stCxn id="3" idx="3"/>
+            <a:endCxn id="27" idx="1"/>
+          </p:cNvCxnSpPr>
+          <p:nvPr/>
+        </p:nvCxnSpPr>
+        <p:spPr>
+          <a:xfrm>
+            <a:off x="2767717" y="4034611"/>
+            <a:ext cx="958457" cy="1257262"/>
+          </a:xfrm>
+          <a:prstGeom prst="straightConnector1">
+            <a:avLst/>
+          </a:prstGeom>
+          <a:ln w="28575">
+            <a:solidFill>
+              <a:schemeClr val="tx1"/>
+            </a:solidFill>
+            <a:tailEnd type="triangle"/>
+          </a:ln>
+        </p:spPr>
+        <p:style>
+          <a:lnRef idx="1">
+            <a:schemeClr val="accent1"/>
+          </a:lnRef>
+          <a:fillRef idx="0">
+            <a:schemeClr val="accent1"/>
+          </a:fillRef>
+          <a:effectRef idx="0">
+            <a:schemeClr val="accent1"/>
+          </a:effectRef>
+          <a:fontRef idx="minor">
+            <a:schemeClr val="tx1"/>
+          </a:fontRef>
+        </p:style>
+      </p:cxnSp>
+      <p:cxnSp>
+        <p:nvCxnSpPr>
+          <p:cNvPr id="59" name="Straight Arrow Connector 58">
+            <a:extLst>
+              <a:ext uri="{FF2B5EF4-FFF2-40B4-BE49-F238E27FC236}">
+                <a16:creationId xmlns:a16="http://schemas.microsoft.com/office/drawing/2014/main" id="{89FCCCE6-689B-420B-1DDD-80C0D76F52DE}"/>
+              </a:ext>
+            </a:extLst>
+          </p:cNvPr>
+          <p:cNvCxnSpPr>
+            <a:stCxn id="33" idx="0"/>
+            <a:endCxn id="2" idx="2"/>
+          </p:cNvCxnSpPr>
+          <p:nvPr/>
+        </p:nvCxnSpPr>
+        <p:spPr>
+          <a:xfrm flipV="1">
+            <a:off x="9234369" y="3465638"/>
+            <a:ext cx="0" cy="1063755"/>
+          </a:xfrm>
+          <a:prstGeom prst="straightConnector1">
+            <a:avLst/>
+          </a:prstGeom>
+          <a:ln w="28575">
+            <a:solidFill>
+              <a:schemeClr val="tx1"/>
+            </a:solidFill>
+            <a:tailEnd type="triangle"/>
+          </a:ln>
+        </p:spPr>
+        <p:style>
+          <a:lnRef idx="1">
+            <a:schemeClr val="accent1"/>
+          </a:lnRef>
+          <a:fillRef idx="0">
+            <a:schemeClr val="accent1"/>
+          </a:fillRef>
+          <a:effectRef idx="0">
+            <a:schemeClr val="accent1"/>
+          </a:effectRef>
+          <a:fontRef idx="minor">
+            <a:schemeClr val="tx1"/>
+          </a:fontRef>
+        </p:style>
+      </p:cxnSp>
+      <p:cxnSp>
+        <p:nvCxnSpPr>
+          <p:cNvPr id="61" name="Connector: Elbow 60">
+            <a:extLst>
+              <a:ext uri="{FF2B5EF4-FFF2-40B4-BE49-F238E27FC236}">
+                <a16:creationId xmlns:a16="http://schemas.microsoft.com/office/drawing/2014/main" id="{4A18B2DD-1472-B894-E35C-2A893571C626}"/>
+              </a:ext>
+            </a:extLst>
+          </p:cNvPr>
+          <p:cNvCxnSpPr>
+            <a:stCxn id="28" idx="3"/>
+          </p:cNvCxnSpPr>
+          <p:nvPr/>
+        </p:nvCxnSpPr>
+        <p:spPr>
+          <a:xfrm>
+            <a:off x="7473137" y="2663650"/>
+            <a:ext cx="448451" cy="2635439"/>
+          </a:xfrm>
+          <a:prstGeom prst="bentConnector2">
+            <a:avLst/>
+          </a:prstGeom>
+          <a:ln w="28575">
+            <a:solidFill>
+              <a:schemeClr val="tx1"/>
+            </a:solidFill>
+          </a:ln>
+        </p:spPr>
+        <p:style>
+          <a:lnRef idx="1">
+            <a:schemeClr val="accent1"/>
+          </a:lnRef>
+          <a:fillRef idx="0">
+            <a:schemeClr val="accent1"/>
+          </a:fillRef>
+          <a:effectRef idx="0">
+            <a:schemeClr val="accent1"/>
+          </a:effectRef>
+          <a:fontRef idx="minor">
+            <a:schemeClr val="tx1"/>
+          </a:fontRef>
+        </p:style>
+      </p:cxnSp>
+      <p:sp>
+        <p:nvSpPr>
+          <p:cNvPr id="62" name="Rectangle 61">
+            <a:extLst>
+              <a:ext uri="{FF2B5EF4-FFF2-40B4-BE49-F238E27FC236}">
+                <a16:creationId xmlns:a16="http://schemas.microsoft.com/office/drawing/2014/main" id="{8FF5C250-610E-A86C-ADD8-E926F9E85640}"/>
+              </a:ext>
+            </a:extLst>
+          </p:cNvPr>
+          <p:cNvSpPr/>
+          <p:nvPr/>
+        </p:nvSpPr>
+        <p:spPr>
+          <a:xfrm>
+            <a:off x="10571296" y="2410384"/>
+            <a:ext cx="1452968" cy="516404"/>
+          </a:xfrm>
+          <a:prstGeom prst="rect">
+            <a:avLst/>
+          </a:prstGeom>
+          <a:noFill/>
+          <a:ln w="28575">
+            <a:solidFill>
+              <a:schemeClr val="tx1"/>
+            </a:solidFill>
+          </a:ln>
+        </p:spPr>
+        <p:style>
+          <a:lnRef idx="2">
+            <a:schemeClr val="accent1">
+              <a:shade val="50000"/>
+            </a:schemeClr>
+          </a:lnRef>
+          <a:fillRef idx="1">
+            <a:schemeClr val="accent1"/>
+          </a:fillRef>
+          <a:effectRef idx="0">
+            <a:schemeClr val="accent1"/>
+          </a:effectRef>
+          <a:fontRef idx="minor">
+            <a:schemeClr val="lt1"/>
+          </a:fontRef>
+        </p:style>
+        <p:txBody>
+          <a:bodyPr rtlCol="0" anchor="ctr"/>
+          <a:lstStyle/>
+          <a:p>
+            <a:pPr algn="ctr"/>
+            <a:r>
+              <a:rPr lang="en-US" sz="1600" b="1" dirty="0">
+                <a:solidFill>
+                  <a:schemeClr val="tx1"/>
+                </a:solidFill>
+                <a:latin typeface="FC Iconic Regular" panose="020B0500040200020003" pitchFamily="34" charset="-34"/>
+                <a:cs typeface="FC Iconic Regular" panose="020B0500040200020003" pitchFamily="34" charset="-34"/>
+              </a:rPr>
+              <a:t>Data Analytics</a:t>
+            </a:r>
+          </a:p>
+        </p:txBody>
+      </p:sp>
+      <p:sp>
+        <p:nvSpPr>
+          <p:cNvPr id="63" name="Rectangle 62">
+            <a:extLst>
+              <a:ext uri="{FF2B5EF4-FFF2-40B4-BE49-F238E27FC236}">
+                <a16:creationId xmlns:a16="http://schemas.microsoft.com/office/drawing/2014/main" id="{519DB9BF-4CC1-C7CC-A0BA-F5CAB57B17DE}"/>
+              </a:ext>
+            </a:extLst>
+          </p:cNvPr>
+          <p:cNvSpPr/>
+          <p:nvPr/>
+        </p:nvSpPr>
+        <p:spPr>
+          <a:xfrm>
+            <a:off x="10571295" y="5452346"/>
+            <a:ext cx="1452968" cy="516404"/>
+          </a:xfrm>
+          <a:prstGeom prst="rect">
+            <a:avLst/>
+          </a:prstGeom>
+          <a:noFill/>
+          <a:ln w="28575">
+            <a:solidFill>
+              <a:schemeClr val="tx1"/>
+            </a:solidFill>
+          </a:ln>
+        </p:spPr>
+        <p:style>
+          <a:lnRef idx="2">
+            <a:schemeClr val="accent1">
+              <a:shade val="50000"/>
+            </a:schemeClr>
+          </a:lnRef>
+          <a:fillRef idx="1">
+            <a:schemeClr val="accent1"/>
+          </a:fillRef>
+          <a:effectRef idx="0">
+            <a:schemeClr val="accent1"/>
+          </a:effectRef>
+          <a:fontRef idx="minor">
+            <a:schemeClr val="lt1"/>
+          </a:fontRef>
+        </p:style>
+        <p:txBody>
+          <a:bodyPr rtlCol="0" anchor="ctr"/>
+          <a:lstStyle/>
+          <a:p>
+            <a:pPr algn="ctr"/>
+            <a:r>
+              <a:rPr lang="en-US" sz="1600" b="1" dirty="0">
+                <a:solidFill>
+                  <a:schemeClr val="tx1"/>
+                </a:solidFill>
+                <a:latin typeface="FC Iconic Regular" panose="020B0500040200020003" pitchFamily="34" charset="-34"/>
+                <a:cs typeface="FC Iconic Regular" panose="020B0500040200020003" pitchFamily="34" charset="-34"/>
+              </a:rPr>
+              <a:t>Data Visualization</a:t>
+            </a:r>
+          </a:p>
+        </p:txBody>
+      </p:sp>
+      <p:cxnSp>
+        <p:nvCxnSpPr>
+          <p:cNvPr id="65" name="Straight Arrow Connector 64">
+            <a:extLst>
+              <a:ext uri="{FF2B5EF4-FFF2-40B4-BE49-F238E27FC236}">
+                <a16:creationId xmlns:a16="http://schemas.microsoft.com/office/drawing/2014/main" id="{66749A31-0404-E2A0-5256-BFA64603E045}"/>
+              </a:ext>
+            </a:extLst>
+          </p:cNvPr>
+          <p:cNvCxnSpPr>
+            <a:stCxn id="2" idx="3"/>
+            <a:endCxn id="62" idx="1"/>
+          </p:cNvCxnSpPr>
+          <p:nvPr/>
+        </p:nvCxnSpPr>
+        <p:spPr>
+          <a:xfrm>
+            <a:off x="9960853" y="2663650"/>
+            <a:ext cx="610443" cy="4936"/>
+          </a:xfrm>
+          <a:prstGeom prst="straightConnector1">
+            <a:avLst/>
+          </a:prstGeom>
+          <a:ln w="28575">
+            <a:solidFill>
+              <a:schemeClr val="tx1"/>
+            </a:solidFill>
+            <a:tailEnd type="triangle"/>
+          </a:ln>
+        </p:spPr>
+        <p:style>
+          <a:lnRef idx="1">
+            <a:schemeClr val="accent1"/>
+          </a:lnRef>
+          <a:fillRef idx="0">
+            <a:schemeClr val="accent1"/>
+          </a:fillRef>
+          <a:effectRef idx="0">
+            <a:schemeClr val="accent1"/>
+          </a:effectRef>
+          <a:fontRef idx="minor">
+            <a:schemeClr val="tx1"/>
+          </a:fontRef>
+        </p:style>
+      </p:cxnSp>
+      <p:cxnSp>
+        <p:nvCxnSpPr>
+          <p:cNvPr id="75" name="Connector: Elbow 74">
+            <a:extLst>
+              <a:ext uri="{FF2B5EF4-FFF2-40B4-BE49-F238E27FC236}">
+                <a16:creationId xmlns:a16="http://schemas.microsoft.com/office/drawing/2014/main" id="{569F0301-98E3-6BD1-1F5A-81F686797B6C}"/>
+              </a:ext>
+            </a:extLst>
+          </p:cNvPr>
+          <p:cNvCxnSpPr>
+            <a:cxnSpLocks/>
+            <a:endCxn id="5" idx="1"/>
+          </p:cNvCxnSpPr>
+          <p:nvPr/>
+        </p:nvCxnSpPr>
+        <p:spPr>
+          <a:xfrm rot="16200000" flipH="1">
+            <a:off x="9631857" y="3286341"/>
+            <a:ext cx="1563639" cy="318256"/>
+          </a:xfrm>
+          <a:prstGeom prst="bentConnector2">
+            <a:avLst/>
+          </a:prstGeom>
+          <a:ln w="28575">
+            <a:solidFill>
+              <a:schemeClr val="tx1"/>
+            </a:solidFill>
+            <a:tailEnd type="triangle"/>
+          </a:ln>
+        </p:spPr>
+        <p:style>
+          <a:lnRef idx="1">
+            <a:schemeClr val="accent1"/>
+          </a:lnRef>
+          <a:fillRef idx="0">
+            <a:schemeClr val="accent1"/>
+          </a:fillRef>
+          <a:effectRef idx="0">
+            <a:schemeClr val="accent1"/>
+          </a:effectRef>
+          <a:fontRef idx="minor">
+            <a:schemeClr val="tx1"/>
+          </a:fontRef>
+        </p:style>
+      </p:cxnSp>
+      <p:cxnSp>
+        <p:nvCxnSpPr>
+          <p:cNvPr id="78" name="Connector: Elbow 77">
+            <a:extLst>
+              <a:ext uri="{FF2B5EF4-FFF2-40B4-BE49-F238E27FC236}">
+                <a16:creationId xmlns:a16="http://schemas.microsoft.com/office/drawing/2014/main" id="{DB25BCE6-A000-9D0A-89AF-95539DFE9747}"/>
+              </a:ext>
+            </a:extLst>
+          </p:cNvPr>
+          <p:cNvCxnSpPr>
+            <a:cxnSpLocks/>
+            <a:endCxn id="63" idx="1"/>
+          </p:cNvCxnSpPr>
+          <p:nvPr/>
+        </p:nvCxnSpPr>
+        <p:spPr>
+          <a:xfrm rot="16200000" flipH="1">
+            <a:off x="9671292" y="4810544"/>
+            <a:ext cx="1483259" cy="316747"/>
+          </a:xfrm>
+          <a:prstGeom prst="bentConnector2">
+            <a:avLst/>
+          </a:prstGeom>
+          <a:ln w="28575">
+            <a:solidFill>
+              <a:schemeClr val="tx1"/>
+            </a:solidFill>
+            <a:tailEnd type="triangle"/>
+          </a:ln>
+        </p:spPr>
+        <p:style>
+          <a:lnRef idx="1">
+            <a:schemeClr val="accent1"/>
+          </a:lnRef>
+          <a:fillRef idx="0">
+            <a:schemeClr val="accent1"/>
+          </a:fillRef>
+          <a:effectRef idx="0">
+            <a:schemeClr val="accent1"/>
+          </a:effectRef>
+          <a:fontRef idx="minor">
+            <a:schemeClr val="tx1"/>
+          </a:fontRef>
+        </p:style>
+      </p:cxnSp>
     </p:spTree>
     <p:extLst>
       <p:ext uri="{BB962C8B-B14F-4D97-AF65-F5344CB8AC3E}">
@@ -13009,8 +13341,8 @@
         </p:nvSpPr>
         <p:spPr>
           <a:xfrm>
-            <a:off x="75499" y="914400"/>
-            <a:ext cx="2965061" cy="5658413"/>
+            <a:off x="75499" y="778601"/>
+            <a:ext cx="2965061" cy="4659598"/>
           </a:xfrm>
           <a:prstGeom prst="rect">
             <a:avLst/>
@@ -13089,7 +13421,7 @@
         </p:blipFill>
         <p:spPr bwMode="auto">
           <a:xfrm>
-            <a:off x="263786" y="2758760"/>
+            <a:off x="263786" y="2939843"/>
             <a:ext cx="969261" cy="969261"/>
           </a:xfrm>
           <a:prstGeom prst="rect">
@@ -13136,7 +13468,7 @@
         </p:blipFill>
         <p:spPr bwMode="auto">
           <a:xfrm>
-            <a:off x="147285" y="4152632"/>
+            <a:off x="147285" y="4333715"/>
             <a:ext cx="1150378" cy="862784"/>
           </a:xfrm>
           <a:prstGeom prst="rect">
@@ -13172,7 +13504,7 @@
         </p:nvCxnSpPr>
         <p:spPr>
           <a:xfrm>
-            <a:off x="1233047" y="3243391"/>
+            <a:off x="1233047" y="3424474"/>
             <a:ext cx="921688" cy="596405"/>
           </a:xfrm>
           <a:prstGeom prst="straightConnector1">
@@ -13218,7 +13550,7 @@
         </p:nvCxnSpPr>
         <p:spPr>
           <a:xfrm flipV="1">
-            <a:off x="1297663" y="3839796"/>
+            <a:off x="1297663" y="4020879"/>
             <a:ext cx="857072" cy="744228"/>
           </a:xfrm>
           <a:prstGeom prst="straightConnector1">
@@ -13260,8 +13592,8 @@
         </p:nvSpPr>
         <p:spPr>
           <a:xfrm>
-            <a:off x="3686445" y="914400"/>
-            <a:ext cx="1636991" cy="5658413"/>
+            <a:off x="3686445" y="778601"/>
+            <a:ext cx="1636991" cy="4659598"/>
           </a:xfrm>
           <a:prstGeom prst="rect">
             <a:avLst/>
@@ -13326,10 +13658,10 @@
       </p:sp>
       <p:sp>
         <p:nvSpPr>
-          <p:cNvPr id="12" name="Rectangle 11">
-            <a:extLst>
-              <a:ext uri="{FF2B5EF4-FFF2-40B4-BE49-F238E27FC236}">
-                <a16:creationId xmlns:a16="http://schemas.microsoft.com/office/drawing/2014/main" id="{2E273DEE-71C7-4D8E-A8EB-C45E9E2EA55B}"/>
+          <p:cNvPr id="13" name="Rectangle 12">
+            <a:extLst>
+              <a:ext uri="{FF2B5EF4-FFF2-40B4-BE49-F238E27FC236}">
+                <a16:creationId xmlns:a16="http://schemas.microsoft.com/office/drawing/2014/main" id="{D96469E4-FEC2-48B0-9E9B-A230B1961C6B}"/>
               </a:ext>
             </a:extLst>
           </p:cNvPr>
@@ -13338,108 +13670,8 @@
         </p:nvSpPr>
         <p:spPr>
           <a:xfrm>
-            <a:off x="201224" y="5417806"/>
-            <a:ext cx="2713610" cy="1019175"/>
-          </a:xfrm>
-          <a:prstGeom prst="rect">
-            <a:avLst/>
-          </a:prstGeom>
-          <a:noFill/>
-          <a:ln w="28575">
-            <a:noFill/>
-          </a:ln>
-        </p:spPr>
-        <p:style>
-          <a:lnRef idx="2">
-            <a:schemeClr val="accent1">
-              <a:shade val="50000"/>
-            </a:schemeClr>
-          </a:lnRef>
-          <a:fillRef idx="1">
-            <a:schemeClr val="accent1"/>
-          </a:fillRef>
-          <a:effectRef idx="0">
-            <a:schemeClr val="accent1"/>
-          </a:effectRef>
-          <a:fontRef idx="minor">
-            <a:schemeClr val="lt1"/>
-          </a:fontRef>
-        </p:style>
-        <p:txBody>
-          <a:bodyPr rtlCol="0" anchor="t"/>
-          <a:lstStyle/>
-          <a:p>
-            <a:r>
-              <a:rPr lang="en-US" sz="1200" dirty="0">
-                <a:solidFill>
-                  <a:schemeClr val="tx1"/>
-                </a:solidFill>
-                <a:latin typeface="FC Iconic Regular" panose="020B0500040200020003" pitchFamily="34" charset="-34"/>
-                <a:cs typeface="FC Iconic Regular" panose="020B0500040200020003" pitchFamily="34" charset="-34"/>
-              </a:rPr>
-              <a:t>- Dirty</a:t>
-            </a:r>
-          </a:p>
-          <a:p>
-            <a:endParaRPr lang="en-US" sz="1200" dirty="0">
-              <a:solidFill>
-                <a:schemeClr val="tx1"/>
-              </a:solidFill>
-              <a:latin typeface="FC Iconic Regular" panose="020B0500040200020003" pitchFamily="34" charset="-34"/>
-              <a:cs typeface="FC Iconic Regular" panose="020B0500040200020003" pitchFamily="34" charset="-34"/>
-            </a:endParaRPr>
-          </a:p>
-          <a:p>
-            <a:r>
-              <a:rPr lang="en-US" sz="1200" dirty="0">
-                <a:solidFill>
-                  <a:schemeClr val="tx1"/>
-                </a:solidFill>
-                <a:latin typeface="FC Iconic Regular" panose="020B0500040200020003" pitchFamily="34" charset="-34"/>
-                <a:cs typeface="FC Iconic Regular" panose="020B0500040200020003" pitchFamily="34" charset="-34"/>
-              </a:rPr>
-              <a:t>- Data Structure : Semi - Structured</a:t>
-            </a:r>
-          </a:p>
-          <a:p>
-            <a:endParaRPr lang="en-US" sz="1200" dirty="0">
-              <a:solidFill>
-                <a:schemeClr val="tx1"/>
-              </a:solidFill>
-              <a:latin typeface="FC Iconic Regular" panose="020B0500040200020003" pitchFamily="34" charset="-34"/>
-              <a:cs typeface="FC Iconic Regular" panose="020B0500040200020003" pitchFamily="34" charset="-34"/>
-            </a:endParaRPr>
-          </a:p>
-          <a:p>
-            <a:r>
-              <a:rPr lang="en-US" sz="1200" dirty="0">
-                <a:solidFill>
-                  <a:schemeClr val="tx1"/>
-                </a:solidFill>
-                <a:latin typeface="FC Iconic Regular" panose="020B0500040200020003" pitchFamily="34" charset="-34"/>
-                <a:cs typeface="FC Iconic Regular" panose="020B0500040200020003" pitchFamily="34" charset="-34"/>
-              </a:rPr>
-              <a:t>- Denormalized</a:t>
-            </a:r>
-          </a:p>
-        </p:txBody>
-      </p:sp>
-      <p:sp>
-        <p:nvSpPr>
-          <p:cNvPr id="13" name="Rectangle 12">
-            <a:extLst>
-              <a:ext uri="{FF2B5EF4-FFF2-40B4-BE49-F238E27FC236}">
-                <a16:creationId xmlns:a16="http://schemas.microsoft.com/office/drawing/2014/main" id="{D96469E4-FEC2-48B0-9E9B-A230B1961C6B}"/>
-              </a:ext>
-            </a:extLst>
-          </p:cNvPr>
-          <p:cNvSpPr/>
-          <p:nvPr/>
-        </p:nvSpPr>
-        <p:spPr>
-          <a:xfrm>
-            <a:off x="5838116" y="912894"/>
-            <a:ext cx="1826053" cy="5658413"/>
+            <a:off x="5838116" y="777095"/>
+            <a:ext cx="1826053" cy="4659598"/>
           </a:xfrm>
           <a:prstGeom prst="rect">
             <a:avLst/>
@@ -13516,8 +13748,8 @@
         </p:nvSpPr>
         <p:spPr>
           <a:xfrm>
-            <a:off x="8135586" y="914400"/>
-            <a:ext cx="2073696" cy="5658413"/>
+            <a:off x="8135586" y="778601"/>
+            <a:ext cx="2073696" cy="4659598"/>
           </a:xfrm>
           <a:prstGeom prst="rect">
             <a:avLst/>
@@ -13581,8 +13813,8 @@
         </p:nvSpPr>
         <p:spPr>
           <a:xfrm>
-            <a:off x="10575905" y="912894"/>
-            <a:ext cx="1568371" cy="5658413"/>
+            <a:off x="10575905" y="777095"/>
+            <a:ext cx="1568371" cy="4659598"/>
           </a:xfrm>
           <a:prstGeom prst="rect">
             <a:avLst/>
@@ -13654,93 +13886,14 @@
         </p:blipFill>
         <p:spPr>
           <a:xfrm>
-            <a:off x="10759688" y="3079543"/>
-            <a:ext cx="1356814" cy="1537723"/>
+            <a:off x="8675324" y="1274861"/>
+            <a:ext cx="1066643" cy="1208862"/>
           </a:xfrm>
           <a:prstGeom prst="rect">
             <a:avLst/>
           </a:prstGeom>
         </p:spPr>
       </p:pic>
-      <p:sp>
-        <p:nvSpPr>
-          <p:cNvPr id="24" name="Rectangle 23">
-            <a:extLst>
-              <a:ext uri="{FF2B5EF4-FFF2-40B4-BE49-F238E27FC236}">
-                <a16:creationId xmlns:a16="http://schemas.microsoft.com/office/drawing/2014/main" id="{25CACCC5-982A-401A-A6BD-1E31590967F9}"/>
-              </a:ext>
-            </a:extLst>
-          </p:cNvPr>
-          <p:cNvSpPr/>
-          <p:nvPr/>
-        </p:nvSpPr>
-        <p:spPr>
-          <a:xfrm>
-            <a:off x="10539693" y="5538071"/>
-            <a:ext cx="1725642" cy="624316"/>
-          </a:xfrm>
-          <a:prstGeom prst="rect">
-            <a:avLst/>
-          </a:prstGeom>
-          <a:noFill/>
-          <a:ln w="28575">
-            <a:noFill/>
-          </a:ln>
-        </p:spPr>
-        <p:style>
-          <a:lnRef idx="2">
-            <a:schemeClr val="accent1">
-              <a:shade val="50000"/>
-            </a:schemeClr>
-          </a:lnRef>
-          <a:fillRef idx="1">
-            <a:schemeClr val="accent1"/>
-          </a:fillRef>
-          <a:effectRef idx="0">
-            <a:schemeClr val="accent1"/>
-          </a:effectRef>
-          <a:fontRef idx="minor">
-            <a:schemeClr val="lt1"/>
-          </a:fontRef>
-        </p:style>
-        <p:txBody>
-          <a:bodyPr rtlCol="0" anchor="t"/>
-          <a:lstStyle/>
-          <a:p>
-            <a:r>
-              <a:rPr lang="en-US" sz="1200" dirty="0">
-                <a:solidFill>
-                  <a:schemeClr val="tx1"/>
-                </a:solidFill>
-                <a:latin typeface="FC Iconic Regular" panose="020B0500040200020003" pitchFamily="34" charset="-34"/>
-                <a:cs typeface="FC Iconic Regular" panose="020B0500040200020003" pitchFamily="34" charset="-34"/>
-              </a:rPr>
-              <a:t>- Structured Data</a:t>
-            </a:r>
-          </a:p>
-          <a:p>
-            <a:endParaRPr lang="en-US" sz="1200" dirty="0">
-              <a:solidFill>
-                <a:schemeClr val="tx1"/>
-              </a:solidFill>
-              <a:latin typeface="FC Iconic Regular" panose="020B0500040200020003" pitchFamily="34" charset="-34"/>
-              <a:cs typeface="FC Iconic Regular" panose="020B0500040200020003" pitchFamily="34" charset="-34"/>
-            </a:endParaRPr>
-          </a:p>
-          <a:p>
-            <a:r>
-              <a:rPr lang="en-US" sz="1200" dirty="0">
-                <a:solidFill>
-                  <a:schemeClr val="tx1"/>
-                </a:solidFill>
-                <a:latin typeface="FC Iconic Regular" panose="020B0500040200020003" pitchFamily="34" charset="-34"/>
-                <a:cs typeface="FC Iconic Regular" panose="020B0500040200020003" pitchFamily="34" charset="-34"/>
-              </a:rPr>
-              <a:t>- Ready For Analytics</a:t>
-            </a:r>
-          </a:p>
-        </p:txBody>
-      </p:sp>
       <p:pic>
         <p:nvPicPr>
           <p:cNvPr id="2050" name="Picture 2" descr="Google Cloud Data &amp; Analytics – intelia | agility, authenticity, excellence.">
@@ -13768,7 +13921,7 @@
         </p:blipFill>
         <p:spPr bwMode="auto">
           <a:xfrm>
-            <a:off x="3832031" y="3238072"/>
+            <a:off x="3832031" y="3419155"/>
             <a:ext cx="1346559" cy="1214988"/>
           </a:xfrm>
           <a:prstGeom prst="rect">
@@ -13813,7 +13966,7 @@
         </p:blipFill>
         <p:spPr bwMode="auto">
           <a:xfrm>
-            <a:off x="6066733" y="3245619"/>
+            <a:off x="6066733" y="3426702"/>
             <a:ext cx="1346559" cy="1214988"/>
           </a:xfrm>
           <a:prstGeom prst="rect">
@@ -13858,7 +14011,7 @@
         </p:blipFill>
         <p:spPr bwMode="auto">
           <a:xfrm>
-            <a:off x="8232310" y="2989017"/>
+            <a:off x="8232310" y="3170100"/>
             <a:ext cx="1951036" cy="1720158"/>
           </a:xfrm>
           <a:prstGeom prst="rect">
@@ -13890,7 +14043,7 @@
         </p:nvSpPr>
         <p:spPr>
           <a:xfrm>
-            <a:off x="3898866" y="4382313"/>
+            <a:off x="3898866" y="4563396"/>
             <a:ext cx="1213230" cy="624316"/>
           </a:xfrm>
           <a:prstGeom prst="rect">
@@ -13949,7 +14102,7 @@
         </p:nvSpPr>
         <p:spPr>
           <a:xfrm>
-            <a:off x="6124511" y="4398911"/>
+            <a:off x="6124511" y="4579994"/>
             <a:ext cx="1213230" cy="624316"/>
           </a:xfrm>
           <a:prstGeom prst="rect">
@@ -14008,7 +14161,7 @@
         </p:nvSpPr>
         <p:spPr>
           <a:xfrm>
-            <a:off x="8621758" y="4632800"/>
+            <a:off x="8621758" y="4813883"/>
             <a:ext cx="1213230" cy="624316"/>
           </a:xfrm>
           <a:prstGeom prst="rect">
@@ -14071,7 +14224,7 @@
         </p:nvCxnSpPr>
         <p:spPr>
           <a:xfrm>
-            <a:off x="2926380" y="3839796"/>
+            <a:off x="2926380" y="4020879"/>
             <a:ext cx="905651" cy="5770"/>
           </a:xfrm>
           <a:prstGeom prst="straightConnector1">
@@ -14116,7 +14269,7 @@
         </p:nvCxnSpPr>
         <p:spPr>
           <a:xfrm>
-            <a:off x="5178590" y="3845566"/>
+            <a:off x="5178590" y="4026649"/>
             <a:ext cx="888143" cy="7547"/>
           </a:xfrm>
           <a:prstGeom prst="straightConnector1">
@@ -14161,54 +14314,8 @@
         </p:nvCxnSpPr>
         <p:spPr>
           <a:xfrm flipV="1">
-            <a:off x="7413292" y="3849096"/>
+            <a:off x="7413292" y="4030179"/>
             <a:ext cx="819018" cy="4017"/>
-          </a:xfrm>
-          <a:prstGeom prst="straightConnector1">
-            <a:avLst/>
-          </a:prstGeom>
-          <a:ln w="28575">
-            <a:solidFill>
-              <a:schemeClr val="tx1"/>
-            </a:solidFill>
-            <a:tailEnd type="triangle"/>
-          </a:ln>
-        </p:spPr>
-        <p:style>
-          <a:lnRef idx="1">
-            <a:schemeClr val="accent1"/>
-          </a:lnRef>
-          <a:fillRef idx="0">
-            <a:schemeClr val="accent1"/>
-          </a:fillRef>
-          <a:effectRef idx="0">
-            <a:schemeClr val="accent1"/>
-          </a:effectRef>
-          <a:fontRef idx="minor">
-            <a:schemeClr val="tx1"/>
-          </a:fontRef>
-        </p:style>
-      </p:cxnSp>
-      <p:cxnSp>
-        <p:nvCxnSpPr>
-          <p:cNvPr id="41" name="Straight Arrow Connector 40">
-            <a:extLst>
-              <a:ext uri="{FF2B5EF4-FFF2-40B4-BE49-F238E27FC236}">
-                <a16:creationId xmlns:a16="http://schemas.microsoft.com/office/drawing/2014/main" id="{E7EDB2BC-037E-4C74-A337-624909534AE8}"/>
-              </a:ext>
-            </a:extLst>
-          </p:cNvPr>
-          <p:cNvCxnSpPr>
-            <a:cxnSpLocks/>
-            <a:stCxn id="2052" idx="3"/>
-            <a:endCxn id="21" idx="1"/>
-          </p:cNvCxnSpPr>
-          <p:nvPr/>
-        </p:nvCxnSpPr>
-        <p:spPr>
-          <a:xfrm flipV="1">
-            <a:off x="10183346" y="3848405"/>
-            <a:ext cx="576342" cy="691"/>
           </a:xfrm>
           <a:prstGeom prst="straightConnector1">
             <a:avLst/>
@@ -14257,7 +14364,7 @@
         </p:blipFill>
         <p:spPr>
           <a:xfrm>
-            <a:off x="2154735" y="3408404"/>
+            <a:off x="2154735" y="3589487"/>
             <a:ext cx="771645" cy="862784"/>
           </a:xfrm>
           <a:prstGeom prst="rect">
@@ -14265,6 +14372,448 @@
           </a:prstGeom>
         </p:spPr>
       </p:pic>
+      <p:pic>
+        <p:nvPicPr>
+          <p:cNvPr id="16" name="Picture 15">
+            <a:extLst>
+              <a:ext uri="{FF2B5EF4-FFF2-40B4-BE49-F238E27FC236}">
+                <a16:creationId xmlns:a16="http://schemas.microsoft.com/office/drawing/2014/main" id="{1E6E19B9-C482-22B4-48BD-D04B3B9683B4}"/>
+              </a:ext>
+            </a:extLst>
+          </p:cNvPr>
+          <p:cNvPicPr>
+            <a:picLocks noChangeAspect="1"/>
+          </p:cNvPicPr>
+          <p:nvPr/>
+        </p:nvPicPr>
+        <p:blipFill>
+          <a:blip r:embed="rId9"/>
+          <a:stretch>
+            <a:fillRect/>
+          </a:stretch>
+        </p:blipFill>
+        <p:spPr>
+          <a:xfrm>
+            <a:off x="10681682" y="3969681"/>
+            <a:ext cx="1356815" cy="411619"/>
+          </a:xfrm>
+          <a:prstGeom prst="rect">
+            <a:avLst/>
+          </a:prstGeom>
+        </p:spPr>
+      </p:pic>
+      <p:pic>
+        <p:nvPicPr>
+          <p:cNvPr id="1026" name="Picture 2" descr="มาทำความรู้จักโปรแกรม Microsoft Excel กันเถอะ - เทพเอ็กเซล : Thep Excel">
+            <a:extLst>
+              <a:ext uri="{FF2B5EF4-FFF2-40B4-BE49-F238E27FC236}">
+                <a16:creationId xmlns:a16="http://schemas.microsoft.com/office/drawing/2014/main" id="{C61D76C8-43AF-AEB3-39CF-B48A1A5304BE}"/>
+              </a:ext>
+            </a:extLst>
+          </p:cNvPr>
+          <p:cNvPicPr>
+            <a:picLocks noChangeAspect="1" noChangeArrowheads="1"/>
+          </p:cNvPicPr>
+          <p:nvPr/>
+        </p:nvPicPr>
+        <p:blipFill rotWithShape="1">
+          <a:blip r:embed="rId10">
+            <a:extLst>
+              <a:ext uri="{28A0092B-C50C-407E-A947-70E740481C1C}">
+                <a14:useLocalDpi xmlns:a14="http://schemas.microsoft.com/office/drawing/2010/main" val="0"/>
+              </a:ext>
+            </a:extLst>
+          </a:blip>
+          <a:srcRect l="22237" t="8609" r="16001" b="12079"/>
+          <a:stretch/>
+        </p:blipFill>
+        <p:spPr bwMode="auto">
+          <a:xfrm>
+            <a:off x="10909500" y="4633080"/>
+            <a:ext cx="832603" cy="712790"/>
+          </a:xfrm>
+          <a:prstGeom prst="rect">
+            <a:avLst/>
+          </a:prstGeom>
+          <a:noFill/>
+          <a:extLst>
+            <a:ext uri="{909E8E84-426E-40DD-AFC4-6F175D3DCCD1}">
+              <a14:hiddenFill xmlns:a14="http://schemas.microsoft.com/office/drawing/2010/main">
+                <a:solidFill>
+                  <a:srgbClr val="FFFFFF"/>
+                </a:solidFill>
+              </a14:hiddenFill>
+            </a:ext>
+          </a:extLst>
+        </p:spPr>
+      </p:pic>
+      <p:pic>
+        <p:nvPicPr>
+          <p:cNvPr id="1028" name="Picture 4" descr="PySpark debugging — 6 common issues | by Maria Karanasou | Towards Data  Science">
+            <a:extLst>
+              <a:ext uri="{FF2B5EF4-FFF2-40B4-BE49-F238E27FC236}">
+                <a16:creationId xmlns:a16="http://schemas.microsoft.com/office/drawing/2014/main" id="{B99D726B-DBE8-1333-540B-48D2AEDD4D75}"/>
+              </a:ext>
+            </a:extLst>
+          </p:cNvPr>
+          <p:cNvPicPr>
+            <a:picLocks noChangeAspect="1" noChangeArrowheads="1"/>
+          </p:cNvPicPr>
+          <p:nvPr/>
+        </p:nvPicPr>
+        <p:blipFill>
+          <a:blip r:embed="rId11">
+            <a:extLst>
+              <a:ext uri="{28A0092B-C50C-407E-A947-70E740481C1C}">
+                <a14:useLocalDpi xmlns:a14="http://schemas.microsoft.com/office/drawing/2010/main" val="0"/>
+              </a:ext>
+            </a:extLst>
+          </a:blip>
+          <a:srcRect/>
+          <a:stretch>
+            <a:fillRect/>
+          </a:stretch>
+        </p:blipFill>
+        <p:spPr bwMode="auto">
+          <a:xfrm>
+            <a:off x="10743989" y="2881079"/>
+            <a:ext cx="1217449" cy="665792"/>
+          </a:xfrm>
+          <a:prstGeom prst="rect">
+            <a:avLst/>
+          </a:prstGeom>
+          <a:noFill/>
+          <a:extLst>
+            <a:ext uri="{909E8E84-426E-40DD-AFC4-6F175D3DCCD1}">
+              <a14:hiddenFill xmlns:a14="http://schemas.microsoft.com/office/drawing/2010/main">
+                <a:solidFill>
+                  <a:srgbClr val="FFFFFF"/>
+                </a:solidFill>
+              </a14:hiddenFill>
+            </a:ext>
+          </a:extLst>
+        </p:spPr>
+      </p:pic>
+      <p:pic>
+        <p:nvPicPr>
+          <p:cNvPr id="20" name="Picture 19">
+            <a:extLst>
+              <a:ext uri="{FF2B5EF4-FFF2-40B4-BE49-F238E27FC236}">
+                <a16:creationId xmlns:a16="http://schemas.microsoft.com/office/drawing/2014/main" id="{3293F44A-6AE8-5EC6-CF2F-DDFFAA2A6BB0}"/>
+              </a:ext>
+            </a:extLst>
+          </p:cNvPr>
+          <p:cNvPicPr>
+            <a:picLocks noChangeAspect="1"/>
+          </p:cNvPicPr>
+          <p:nvPr/>
+        </p:nvPicPr>
+        <p:blipFill>
+          <a:blip r:embed="rId5"/>
+          <a:stretch>
+            <a:fillRect/>
+          </a:stretch>
+        </p:blipFill>
+        <p:spPr>
+          <a:xfrm>
+            <a:off x="10811940" y="1265808"/>
+            <a:ext cx="1066643" cy="1208862"/>
+          </a:xfrm>
+          <a:prstGeom prst="rect">
+            <a:avLst/>
+          </a:prstGeom>
+        </p:spPr>
+      </p:pic>
+      <p:cxnSp>
+        <p:nvCxnSpPr>
+          <p:cNvPr id="26" name="Straight Arrow Connector 25">
+            <a:extLst>
+              <a:ext uri="{FF2B5EF4-FFF2-40B4-BE49-F238E27FC236}">
+                <a16:creationId xmlns:a16="http://schemas.microsoft.com/office/drawing/2014/main" id="{4EC46FCB-8533-5CC1-7E40-52004687D85A}"/>
+              </a:ext>
+            </a:extLst>
+          </p:cNvPr>
+          <p:cNvCxnSpPr>
+            <a:stCxn id="2052" idx="0"/>
+            <a:endCxn id="21" idx="2"/>
+          </p:cNvCxnSpPr>
+          <p:nvPr/>
+        </p:nvCxnSpPr>
+        <p:spPr>
+          <a:xfrm flipV="1">
+            <a:off x="9207828" y="2483723"/>
+            <a:ext cx="818" cy="686377"/>
+          </a:xfrm>
+          <a:prstGeom prst="straightConnector1">
+            <a:avLst/>
+          </a:prstGeom>
+          <a:ln w="28575">
+            <a:solidFill>
+              <a:schemeClr val="tx1"/>
+            </a:solidFill>
+            <a:tailEnd type="triangle"/>
+          </a:ln>
+        </p:spPr>
+        <p:style>
+          <a:lnRef idx="1">
+            <a:schemeClr val="accent1"/>
+          </a:lnRef>
+          <a:fillRef idx="0">
+            <a:schemeClr val="accent1"/>
+          </a:fillRef>
+          <a:effectRef idx="0">
+            <a:schemeClr val="accent1"/>
+          </a:effectRef>
+          <a:fontRef idx="minor">
+            <a:schemeClr val="tx1"/>
+          </a:fontRef>
+        </p:style>
+      </p:cxnSp>
+      <p:cxnSp>
+        <p:nvCxnSpPr>
+          <p:cNvPr id="28" name="Straight Arrow Connector 27">
+            <a:extLst>
+              <a:ext uri="{FF2B5EF4-FFF2-40B4-BE49-F238E27FC236}">
+                <a16:creationId xmlns:a16="http://schemas.microsoft.com/office/drawing/2014/main" id="{50BF0A4A-552D-AC98-DE27-491FDD09D1D6}"/>
+              </a:ext>
+            </a:extLst>
+          </p:cNvPr>
+          <p:cNvCxnSpPr>
+            <a:stCxn id="21" idx="3"/>
+            <a:endCxn id="20" idx="1"/>
+          </p:cNvCxnSpPr>
+          <p:nvPr/>
+        </p:nvCxnSpPr>
+        <p:spPr>
+          <a:xfrm flipV="1">
+            <a:off x="9741967" y="1870239"/>
+            <a:ext cx="1069973" cy="9053"/>
+          </a:xfrm>
+          <a:prstGeom prst="straightConnector1">
+            <a:avLst/>
+          </a:prstGeom>
+          <a:ln w="28575">
+            <a:solidFill>
+              <a:schemeClr val="tx1"/>
+            </a:solidFill>
+            <a:tailEnd type="triangle"/>
+          </a:ln>
+        </p:spPr>
+        <p:style>
+          <a:lnRef idx="1">
+            <a:schemeClr val="accent1"/>
+          </a:lnRef>
+          <a:fillRef idx="0">
+            <a:schemeClr val="accent1"/>
+          </a:fillRef>
+          <a:effectRef idx="0">
+            <a:schemeClr val="accent1"/>
+          </a:effectRef>
+          <a:fontRef idx="minor">
+            <a:schemeClr val="tx1"/>
+          </a:fontRef>
+        </p:style>
+      </p:cxnSp>
+      <p:cxnSp>
+        <p:nvCxnSpPr>
+          <p:cNvPr id="30" name="Connector: Elbow 29">
+            <a:extLst>
+              <a:ext uri="{FF2B5EF4-FFF2-40B4-BE49-F238E27FC236}">
+                <a16:creationId xmlns:a16="http://schemas.microsoft.com/office/drawing/2014/main" id="{E0AE145A-ECFB-3F08-8991-1E1A15E23F27}"/>
+              </a:ext>
+            </a:extLst>
+          </p:cNvPr>
+          <p:cNvCxnSpPr>
+            <a:endCxn id="1028" idx="1"/>
+          </p:cNvCxnSpPr>
+          <p:nvPr/>
+        </p:nvCxnSpPr>
+        <p:spPr>
+          <a:xfrm rot="16200000" flipH="1">
+            <a:off x="9874182" y="2344168"/>
+            <a:ext cx="1343736" cy="395878"/>
+          </a:xfrm>
+          <a:prstGeom prst="bentConnector2">
+            <a:avLst/>
+          </a:prstGeom>
+          <a:ln w="28575">
+            <a:solidFill>
+              <a:schemeClr val="tx1"/>
+            </a:solidFill>
+            <a:tailEnd type="triangle"/>
+          </a:ln>
+        </p:spPr>
+        <p:style>
+          <a:lnRef idx="1">
+            <a:schemeClr val="accent1"/>
+          </a:lnRef>
+          <a:fillRef idx="0">
+            <a:schemeClr val="accent1"/>
+          </a:fillRef>
+          <a:effectRef idx="0">
+            <a:schemeClr val="accent1"/>
+          </a:effectRef>
+          <a:fontRef idx="minor">
+            <a:schemeClr val="tx1"/>
+          </a:fontRef>
+        </p:style>
+      </p:cxnSp>
+      <p:cxnSp>
+        <p:nvCxnSpPr>
+          <p:cNvPr id="36" name="Connector: Elbow 35">
+            <a:extLst>
+              <a:ext uri="{FF2B5EF4-FFF2-40B4-BE49-F238E27FC236}">
+                <a16:creationId xmlns:a16="http://schemas.microsoft.com/office/drawing/2014/main" id="{98CC8BA7-B0FC-F589-FC12-CB6F899091B9}"/>
+              </a:ext>
+            </a:extLst>
+          </p:cNvPr>
+          <p:cNvCxnSpPr>
+            <a:endCxn id="16" idx="1"/>
+          </p:cNvCxnSpPr>
+          <p:nvPr/>
+        </p:nvCxnSpPr>
+        <p:spPr>
+          <a:xfrm rot="16200000" flipH="1">
+            <a:off x="10034138" y="3527947"/>
+            <a:ext cx="961516" cy="333571"/>
+          </a:xfrm>
+          <a:prstGeom prst="bentConnector2">
+            <a:avLst/>
+          </a:prstGeom>
+          <a:ln w="28575">
+            <a:solidFill>
+              <a:schemeClr val="tx1"/>
+            </a:solidFill>
+            <a:tailEnd type="triangle"/>
+          </a:ln>
+        </p:spPr>
+        <p:style>
+          <a:lnRef idx="1">
+            <a:schemeClr val="accent1"/>
+          </a:lnRef>
+          <a:fillRef idx="0">
+            <a:schemeClr val="accent1"/>
+          </a:fillRef>
+          <a:effectRef idx="0">
+            <a:schemeClr val="accent1"/>
+          </a:effectRef>
+          <a:fontRef idx="minor">
+            <a:schemeClr val="tx1"/>
+          </a:fontRef>
+        </p:style>
+      </p:cxnSp>
+      <p:cxnSp>
+        <p:nvCxnSpPr>
+          <p:cNvPr id="40" name="Connector: Elbow 39">
+            <a:extLst>
+              <a:ext uri="{FF2B5EF4-FFF2-40B4-BE49-F238E27FC236}">
+                <a16:creationId xmlns:a16="http://schemas.microsoft.com/office/drawing/2014/main" id="{323EE5A4-AF26-8B45-C685-8A358569CD5E}"/>
+              </a:ext>
+            </a:extLst>
+          </p:cNvPr>
+          <p:cNvCxnSpPr>
+            <a:endCxn id="1026" idx="1"/>
+          </p:cNvCxnSpPr>
+          <p:nvPr/>
+        </p:nvCxnSpPr>
+        <p:spPr>
+          <a:xfrm rot="16200000" flipH="1">
+            <a:off x="10220893" y="4300868"/>
+            <a:ext cx="815824" cy="561389"/>
+          </a:xfrm>
+          <a:prstGeom prst="bentConnector2">
+            <a:avLst/>
+          </a:prstGeom>
+          <a:ln w="28575">
+            <a:solidFill>
+              <a:schemeClr val="tx1"/>
+            </a:solidFill>
+            <a:tailEnd type="triangle"/>
+          </a:ln>
+        </p:spPr>
+        <p:style>
+          <a:lnRef idx="1">
+            <a:schemeClr val="accent1"/>
+          </a:lnRef>
+          <a:fillRef idx="0">
+            <a:schemeClr val="accent1"/>
+          </a:fillRef>
+          <a:effectRef idx="0">
+            <a:schemeClr val="accent1"/>
+          </a:effectRef>
+          <a:fontRef idx="minor">
+            <a:schemeClr val="tx1"/>
+          </a:fontRef>
+        </p:style>
+      </p:cxnSp>
+      <p:sp>
+        <p:nvSpPr>
+          <p:cNvPr id="44" name="Rectangle 43">
+            <a:extLst>
+              <a:ext uri="{FF2B5EF4-FFF2-40B4-BE49-F238E27FC236}">
+                <a16:creationId xmlns:a16="http://schemas.microsoft.com/office/drawing/2014/main" id="{A4A9D982-56FB-3365-F7EC-50EF654603C2}"/>
+              </a:ext>
+            </a:extLst>
+          </p:cNvPr>
+          <p:cNvSpPr/>
+          <p:nvPr/>
+        </p:nvSpPr>
+        <p:spPr>
+          <a:xfrm>
+            <a:off x="75499" y="5595042"/>
+            <a:ext cx="12068777" cy="1103573"/>
+          </a:xfrm>
+          <a:prstGeom prst="rect">
+            <a:avLst/>
+          </a:prstGeom>
+          <a:noFill/>
+          <a:ln w="28575">
+            <a:solidFill>
+              <a:schemeClr val="tx1"/>
+            </a:solidFill>
+          </a:ln>
+        </p:spPr>
+        <p:style>
+          <a:lnRef idx="2">
+            <a:schemeClr val="accent1">
+              <a:shade val="50000"/>
+            </a:schemeClr>
+          </a:lnRef>
+          <a:fillRef idx="1">
+            <a:schemeClr val="accent1"/>
+          </a:fillRef>
+          <a:effectRef idx="0">
+            <a:schemeClr val="accent1"/>
+          </a:effectRef>
+          <a:fontRef idx="minor">
+            <a:schemeClr val="lt1"/>
+          </a:fontRef>
+        </p:style>
+        <p:txBody>
+          <a:bodyPr rtlCol="0" anchor="ctr"/>
+          <a:lstStyle/>
+          <a:p>
+            <a:pPr algn="ctr"/>
+            <a:r>
+              <a:rPr lang="en-US" b="1" dirty="0">
+                <a:solidFill>
+                  <a:schemeClr val="tx1"/>
+                </a:solidFill>
+                <a:latin typeface="FC Iconic Regular" panose="020B0500040200020003" pitchFamily="34" charset="-34"/>
+                <a:cs typeface="FC Iconic Regular" panose="020B0500040200020003" pitchFamily="34" charset="-34"/>
+              </a:rPr>
+              <a:t>Data Pipeline &amp; Data Governance</a:t>
+            </a:r>
+            <a:endParaRPr lang="th-TH" b="1" dirty="0">
+              <a:solidFill>
+                <a:schemeClr val="tx1"/>
+              </a:solidFill>
+              <a:latin typeface="FC Iconic Regular" panose="020B0500040200020003" pitchFamily="34" charset="-34"/>
+              <a:cs typeface="FC Iconic Regular" panose="020B0500040200020003" pitchFamily="34" charset="-34"/>
+            </a:endParaRPr>
+          </a:p>
+        </p:txBody>
+      </p:sp>
     </p:spTree>
     <p:extLst>
       <p:ext uri="{BB962C8B-B14F-4D97-AF65-F5344CB8AC3E}">
